--- a/Presentation/team-15-Presentation.pptx
+++ b/Presentation/team-15-Presentation.pptx
@@ -6893,8 +6893,8 @@
         </p:nvSpPr>
         <p:spPr>
           <a:xfrm>
-            <a:off x="1652900" y="4378350"/>
-            <a:ext cx="4061100" cy="253800"/>
+            <a:off x="1652899" y="4378350"/>
+            <a:ext cx="5894283" cy="280736"/>
           </a:xfrm>
           <a:prstGeom prst="rect">
             <a:avLst/>
@@ -6910,25 +6910,46 @@
           </a:bodyPr>
           <a:lstStyle/>
           <a:p>
-            <a:pPr marL="0" marR="0" lvl="0" indent="0" rtl="0">
-              <a:lnSpc>
-                <a:spcPct val="100000"/>
-              </a:lnSpc>
-              <a:spcBef>
-                <a:spcPts val="0"/>
-              </a:spcBef>
-              <a:spcAft>
-                <a:spcPts val="0"/>
-              </a:spcAft>
+            <a:pPr lvl="0">
               <a:buClr>
                 <a:schemeClr val="dk1"/>
               </a:buClr>
               <a:buSzPct val="25000"/>
-              <a:buFont typeface="Arial"/>
-              <a:buNone/>
             </a:pPr>
             <a:r>
-              <a:rPr lang="en-US" sz="1050" b="1" i="0" u="none" strike="noStrike" cap="none" dirty="0">
+              <a:rPr lang="en-US" sz="1050" b="1" dirty="0" err="1">
+                <a:solidFill>
+                  <a:schemeClr val="dk1"/>
+                </a:solidFill>
+              </a:rPr>
+              <a:t>Zachy</a:t>
+            </a:r>
+            <a:r>
+              <a:rPr lang="en-US" sz="1050" b="1" dirty="0">
+                <a:solidFill>
+                  <a:schemeClr val="dk1"/>
+                </a:solidFill>
+              </a:rPr>
+              <a:t> </a:t>
+            </a:r>
+            <a:r>
+              <a:rPr lang="en-US" sz="1050" b="1" dirty="0" err="1" smtClean="0">
+                <a:solidFill>
+                  <a:schemeClr val="dk1"/>
+                </a:solidFill>
+              </a:rPr>
+              <a:t>Balkhy</a:t>
+            </a:r>
+            <a:r>
+              <a:rPr lang="en-US" sz="1050" b="1" dirty="0" smtClean="0">
+                <a:solidFill>
+                  <a:schemeClr val="dk1"/>
+                </a:solidFill>
+              </a:rPr>
+              <a:t>, Anya </a:t>
+            </a:r>
+            <a:r>
+              <a:rPr lang="en-US" sz="1050" b="1" i="0" u="none" strike="noStrike" cap="none" dirty="0" smtClean="0">
                 <a:solidFill>
                   <a:schemeClr val="dk1"/>
                 </a:solidFill>
@@ -6937,10 +6958,34 @@
                 <a:cs typeface="Arial"/>
                 <a:sym typeface="Arial"/>
               </a:rPr>
-              <a:t>Anya </a:t>
+              <a:t>Chopra</a:t>
             </a:r>
             <a:r>
-              <a:rPr lang="en-US" sz="1050" b="1" i="0" u="none" strike="noStrike" cap="none" dirty="0" smtClean="0">
+              <a:rPr lang="en-US" sz="1050" b="1" dirty="0" smtClean="0">
+                <a:solidFill>
+                  <a:schemeClr val="dk1"/>
+                </a:solidFill>
+              </a:rPr>
+              <a:t>, </a:t>
+            </a:r>
+            <a:r>
+              <a:rPr lang="en-US" sz="1050" b="1" dirty="0">
+                <a:solidFill>
+                  <a:schemeClr val="dk1"/>
+                </a:solidFill>
+              </a:rPr>
+              <a:t>Zach </a:t>
+            </a:r>
+            <a:r>
+              <a:rPr lang="en-US" sz="1050" b="1" dirty="0" smtClean="0">
+                <a:solidFill>
+                  <a:schemeClr val="dk1"/>
+                </a:solidFill>
+              </a:rPr>
+              <a:t>Kamran, Pablo </a:t>
+            </a:r>
+            <a:r>
+              <a:rPr lang="en-US" sz="1050" b="1" i="0" u="none" strike="noStrike" cap="none" dirty="0" err="1" smtClean="0">
                 <a:solidFill>
                   <a:schemeClr val="dk1"/>
                 </a:solidFill>
@@ -6949,23 +6994,19 @@
                 <a:cs typeface="Arial"/>
                 <a:sym typeface="Arial"/>
               </a:rPr>
-              <a:t>Chopra, Emil Sorensen, </a:t>
+              <a:t>Melana</a:t>
             </a:r>
             <a:r>
-              <a:rPr lang="en-US" sz="1050" b="1" dirty="0" smtClean="0">
-                <a:solidFill>
-                  <a:schemeClr val="dk1"/>
-                </a:solidFill>
+              <a:rPr lang="en-US" sz="1050" b="1" i="0" u="none" strike="noStrike" cap="none" dirty="0" smtClean="0">
+                <a:solidFill>
+                  <a:schemeClr val="dk1"/>
+                </a:solidFill>
+                <a:latin typeface="Arial"/>
+                <a:ea typeface="Arial"/>
+                <a:cs typeface="Arial"/>
+                <a:sym typeface="Arial"/>
               </a:rPr>
-              <a:t>Kevin </a:t>
-            </a:r>
-            <a:r>
-              <a:rPr lang="en-US" sz="1050" b="1" dirty="0" err="1" smtClean="0">
-                <a:solidFill>
-                  <a:schemeClr val="dk1"/>
-                </a:solidFill>
-              </a:rPr>
-              <a:t>Guo</a:t>
+              <a:t>-Dayton, and Jacob Warfield</a:t>
             </a:r>
             <a:endParaRPr lang="en-US" sz="1050" b="1" dirty="0">
               <a:solidFill>
@@ -7199,7 +7240,7 @@
         <p:spPr>
           <a:xfrm>
             <a:off x="3394098" y="2812800"/>
-            <a:ext cx="4639803" cy="299669"/>
+            <a:ext cx="5455988" cy="299669"/>
           </a:xfrm>
           <a:prstGeom prst="rect">
             <a:avLst/>
@@ -7231,7 +7272,43 @@
                 <a:cs typeface="Lato"/>
                 <a:sym typeface="Lato"/>
               </a:rPr>
-              <a:t>A four year digital map of a student’s accomplishment</a:t>
+              <a:t>A four year digital </a:t>
+            </a:r>
+            <a:r>
+              <a:rPr lang="en-US" sz="1600" b="0" i="0" u="none" strike="noStrike" cap="none" dirty="0" smtClean="0">
+                <a:solidFill>
+                  <a:schemeClr val="dk1"/>
+                </a:solidFill>
+                <a:latin typeface="Lato"/>
+                <a:ea typeface="Lato"/>
+                <a:cs typeface="Lato"/>
+                <a:sym typeface="Lato"/>
+              </a:rPr>
+              <a:t>account of </a:t>
+            </a:r>
+            <a:r>
+              <a:rPr lang="en-US" sz="1600" b="0" i="0" u="none" strike="noStrike" cap="none" dirty="0" smtClean="0">
+                <a:solidFill>
+                  <a:schemeClr val="dk1"/>
+                </a:solidFill>
+                <a:latin typeface="Lato"/>
+                <a:ea typeface="Lato"/>
+                <a:cs typeface="Lato"/>
+                <a:sym typeface="Lato"/>
+              </a:rPr>
+              <a:t>a student’s </a:t>
+            </a:r>
+            <a:r>
+              <a:rPr lang="en-US" sz="1600" b="0" i="0" u="none" strike="noStrike" cap="none" dirty="0" smtClean="0">
+                <a:solidFill>
+                  <a:schemeClr val="dk1"/>
+                </a:solidFill>
+                <a:latin typeface="Lato"/>
+                <a:ea typeface="Lato"/>
+                <a:cs typeface="Lato"/>
+                <a:sym typeface="Lato"/>
+              </a:rPr>
+              <a:t>accomplishments</a:t>
             </a:r>
             <a:endParaRPr lang="en-US" sz="1600" b="0" i="0" u="none" strike="noStrike" cap="none" dirty="0">
               <a:solidFill>
@@ -7441,7 +7518,7 @@
         </p:nvSpPr>
         <p:spPr>
           <a:xfrm>
-            <a:off x="1435483" y="2349761"/>
+            <a:off x="1435483" y="2904932"/>
             <a:ext cx="3674834" cy="830996"/>
           </a:xfrm>
           <a:prstGeom prst="rect">
@@ -7520,120 +7597,7 @@
                 <a:cs typeface="Lato"/>
                 <a:sym typeface="Lato"/>
               </a:rPr>
-              <a:t>Implement IBM Watson to quantify emotions </a:t>
-            </a:r>
-            <a:r>
-              <a:rPr lang="en-US" sz="1200" b="0" i="0" u="none" strike="noStrike" cap="none" dirty="0" smtClean="0">
-                <a:solidFill>
-                  <a:srgbClr val="073258"/>
-                </a:solidFill>
-                <a:latin typeface="Lato"/>
-                <a:ea typeface="Lato"/>
-                <a:cs typeface="Lato"/>
-                <a:sym typeface="Lato"/>
-              </a:rPr>
-              <a:t>from journal entry text (anger, sadness, joy, extraversion, etc.)</a:t>
-            </a:r>
-            <a:endParaRPr lang="en-US" sz="1200" b="0" i="0" u="none" strike="noStrike" cap="none" dirty="0">
-              <a:solidFill>
-                <a:srgbClr val="073258"/>
-              </a:solidFill>
-              <a:latin typeface="Lato"/>
-              <a:ea typeface="Lato"/>
-              <a:cs typeface="Lato"/>
-              <a:sym typeface="Lato"/>
-            </a:endParaRPr>
-          </a:p>
-        </p:txBody>
-      </p:sp>
-      <p:sp>
-        <p:nvSpPr>
-          <p:cNvPr id="218" name="Shape 218"/>
-          <p:cNvSpPr/>
-          <p:nvPr/>
-        </p:nvSpPr>
-        <p:spPr>
-          <a:xfrm>
-            <a:off x="1435483" y="3497794"/>
-            <a:ext cx="3121276" cy="830996"/>
-          </a:xfrm>
-          <a:prstGeom prst="rect">
-            <a:avLst/>
-          </a:prstGeom>
-          <a:noFill/>
-          <a:ln>
-            <a:noFill/>
-          </a:ln>
-        </p:spPr>
-        <p:txBody>
-          <a:bodyPr wrap="square" lIns="91425" tIns="45700" rIns="91425" bIns="45700" anchor="t" anchorCtr="0">
-            <a:noAutofit/>
-          </a:bodyPr>
-          <a:lstStyle/>
-          <a:p>
-            <a:pPr marL="0" marR="0" lvl="0" indent="0" algn="l" rtl="0">
-              <a:lnSpc>
-                <a:spcPct val="100000"/>
-              </a:lnSpc>
-              <a:spcBef>
-                <a:spcPts val="0"/>
-              </a:spcBef>
-              <a:spcAft>
-                <a:spcPts val="0"/>
-              </a:spcAft>
-              <a:buClr>
-                <a:srgbClr val="073258"/>
-              </a:buClr>
-              <a:buSzPct val="25000"/>
-              <a:buFont typeface="Arial"/>
-              <a:buNone/>
-            </a:pPr>
-            <a:r>
-              <a:rPr lang="en-US" sz="2400" b="1" i="0" u="none" strike="noStrike" cap="none" dirty="0" smtClean="0">
-                <a:solidFill>
-                  <a:srgbClr val="073258"/>
-                </a:solidFill>
-                <a:latin typeface="Lato"/>
-                <a:ea typeface="Lato"/>
-                <a:cs typeface="Lato"/>
-                <a:sym typeface="Lato"/>
-              </a:rPr>
-              <a:t>Wellness Surveys</a:t>
-            </a:r>
-            <a:r>
-              <a:rPr lang="en-US" sz="1200" b="1" i="0" u="none" strike="noStrike" cap="none" dirty="0">
-                <a:solidFill>
-                  <a:srgbClr val="073258"/>
-                </a:solidFill>
-                <a:latin typeface="Lato"/>
-                <a:ea typeface="Lato"/>
-                <a:cs typeface="Lato"/>
-                <a:sym typeface="Lato"/>
-              </a:rPr>
-              <a:t/>
-            </a:r>
-            <a:br>
-              <a:rPr lang="en-US" sz="1200" b="1" i="0" u="none" strike="noStrike" cap="none" dirty="0">
-                <a:solidFill>
-                  <a:srgbClr val="073258"/>
-                </a:solidFill>
-                <a:latin typeface="Lato"/>
-                <a:ea typeface="Lato"/>
-                <a:cs typeface="Lato"/>
-                <a:sym typeface="Lato"/>
-              </a:rPr>
-            </a:br>
-            <a:r>
-              <a:rPr lang="en-US" sz="1200" b="0" i="0" u="none" strike="noStrike" cap="none" dirty="0" smtClean="0">
-                <a:solidFill>
-                  <a:srgbClr val="073258"/>
-                </a:solidFill>
-                <a:latin typeface="Lato"/>
-                <a:ea typeface="Lato"/>
-                <a:cs typeface="Lato"/>
-                <a:sym typeface="Lato"/>
-              </a:rPr>
-              <a:t>Consistent 3-question surveys to track student social &amp; emotional wellness</a:t>
+              <a:t>Implement IBM Watson to quantify emotions from journal entry text (anger, sadness, joy, extraversion, etc.)</a:t>
             </a:r>
             <a:endParaRPr lang="en-US" sz="1200" b="0" i="0" u="none" strike="noStrike" cap="none" dirty="0">
               <a:solidFill>
@@ -7662,7 +7626,7 @@
         </p:blipFill>
         <p:spPr>
           <a:xfrm>
-            <a:off x="504567" y="2371374"/>
+            <a:off x="504567" y="2926545"/>
             <a:ext cx="831000" cy="831000"/>
           </a:xfrm>
           <a:prstGeom prst="rect">
@@ -7725,36 +7689,6 @@
           <a:xfrm>
             <a:off x="365318" y="972835"/>
             <a:ext cx="1133740" cy="1133794"/>
-          </a:xfrm>
-          <a:prstGeom prst="rect">
-            <a:avLst/>
-          </a:prstGeom>
-        </p:spPr>
-      </p:pic>
-      <p:pic>
-        <p:nvPicPr>
-          <p:cNvPr id="4" name="Picture 3"/>
-          <p:cNvPicPr>
-            <a:picLocks noChangeAspect="1"/>
-          </p:cNvPicPr>
-          <p:nvPr/>
-        </p:nvPicPr>
-        <p:blipFill>
-          <a:blip r:embed="rId6">
-            <a:extLst>
-              <a:ext uri="{28A0092B-C50C-407E-A947-70E740481C1C}">
-                <a14:useLocalDpi xmlns:a14="http://schemas.microsoft.com/office/drawing/2010/main" val="0"/>
-              </a:ext>
-            </a:extLst>
-          </a:blip>
-          <a:stretch>
-            <a:fillRect/>
-          </a:stretch>
-        </p:blipFill>
-        <p:spPr>
-          <a:xfrm flipH="1">
-            <a:off x="530958" y="3502451"/>
-            <a:ext cx="861773" cy="861137"/>
           </a:xfrm>
           <a:prstGeom prst="rect">
             <a:avLst/>
@@ -7862,7 +7796,7 @@
           <p:nvPr/>
         </p:nvPicPr>
         <p:blipFill rotWithShape="1">
-          <a:blip r:embed="rId7">
+          <a:blip r:embed="rId6">
             <a:extLst>
               <a:ext uri="{28A0092B-C50C-407E-A947-70E740481C1C}">
                 <a14:useLocalDpi xmlns:a14="http://schemas.microsoft.com/office/drawing/2010/main" val="0"/>
@@ -7891,7 +7825,7 @@
           <p:nvPr/>
         </p:nvPicPr>
         <p:blipFill>
-          <a:blip r:embed="rId8"/>
+          <a:blip r:embed="rId7"/>
           <a:stretch>
             <a:fillRect/>
           </a:stretch>
@@ -7908,122 +7842,6 @@
       </p:pic>
       <p:pic>
         <p:nvPicPr>
-          <p:cNvPr id="9" name="Picture 8"/>
-          <p:cNvPicPr>
-            <a:picLocks noChangeAspect="1"/>
-          </p:cNvPicPr>
-          <p:nvPr/>
-        </p:nvPicPr>
-        <p:blipFill rotWithShape="1">
-          <a:blip r:embed="rId9">
-            <a:extLst>
-              <a:ext uri="{28A0092B-C50C-407E-A947-70E740481C1C}">
-                <a14:useLocalDpi xmlns:a14="http://schemas.microsoft.com/office/drawing/2010/main" val="0"/>
-              </a:ext>
-            </a:extLst>
-          </a:blip>
-          <a:srcRect l="2193" t="795" r="87806" b="75249"/>
-          <a:stretch/>
-        </p:blipFill>
-        <p:spPr>
-          <a:xfrm>
-            <a:off x="5110317" y="3795077"/>
-            <a:ext cx="636496" cy="636776"/>
-          </a:xfrm>
-          <a:prstGeom prst="rect">
-            <a:avLst/>
-          </a:prstGeom>
-        </p:spPr>
-      </p:pic>
-      <p:pic>
-        <p:nvPicPr>
-          <p:cNvPr id="10" name="Picture 9"/>
-          <p:cNvPicPr>
-            <a:picLocks noChangeAspect="1"/>
-          </p:cNvPicPr>
-          <p:nvPr/>
-        </p:nvPicPr>
-        <p:blipFill rotWithShape="1">
-          <a:blip r:embed="rId9">
-            <a:extLst>
-              <a:ext uri="{28A0092B-C50C-407E-A947-70E740481C1C}">
-                <a14:useLocalDpi xmlns:a14="http://schemas.microsoft.com/office/drawing/2010/main" val="0"/>
-              </a:ext>
-            </a:extLst>
-          </a:blip>
-          <a:srcRect l="87791" t="74052" r="871" b="252"/>
-          <a:stretch/>
-        </p:blipFill>
-        <p:spPr>
-          <a:xfrm>
-            <a:off x="7685475" y="3743808"/>
-            <a:ext cx="721660" cy="683017"/>
-          </a:xfrm>
-          <a:prstGeom prst="rect">
-            <a:avLst/>
-          </a:prstGeom>
-        </p:spPr>
-      </p:pic>
-      <p:pic>
-        <p:nvPicPr>
-          <p:cNvPr id="11" name="Picture 10"/>
-          <p:cNvPicPr>
-            <a:picLocks noChangeAspect="1"/>
-          </p:cNvPicPr>
-          <p:nvPr/>
-        </p:nvPicPr>
-        <p:blipFill rotWithShape="1">
-          <a:blip r:embed="rId9">
-            <a:extLst>
-              <a:ext uri="{28A0092B-C50C-407E-A947-70E740481C1C}">
-                <a14:useLocalDpi xmlns:a14="http://schemas.microsoft.com/office/drawing/2010/main" val="0"/>
-              </a:ext>
-            </a:extLst>
-          </a:blip>
-          <a:srcRect l="2325" t="49728" r="87674" b="25722"/>
-          <a:stretch/>
-        </p:blipFill>
-        <p:spPr>
-          <a:xfrm>
-            <a:off x="6436884" y="3775747"/>
-            <a:ext cx="636496" cy="652562"/>
-          </a:xfrm>
-          <a:prstGeom prst="rect">
-            <a:avLst/>
-          </a:prstGeom>
-        </p:spPr>
-      </p:pic>
-      <p:pic>
-        <p:nvPicPr>
-          <p:cNvPr id="12" name="Picture 11"/>
-          <p:cNvPicPr>
-            <a:picLocks noChangeAspect="1"/>
-          </p:cNvPicPr>
-          <p:nvPr/>
-        </p:nvPicPr>
-        <p:blipFill rotWithShape="1">
-          <a:blip r:embed="rId9">
-            <a:extLst>
-              <a:ext uri="{28A0092B-C50C-407E-A947-70E740481C1C}">
-                <a14:useLocalDpi xmlns:a14="http://schemas.microsoft.com/office/drawing/2010/main" val="0"/>
-              </a:ext>
-            </a:extLst>
-          </a:blip>
-          <a:srcRect l="55887" t="49810" r="33481" b="25696"/>
-          <a:stretch/>
-        </p:blipFill>
-        <p:spPr>
-          <a:xfrm>
-            <a:off x="7083766" y="3775747"/>
-            <a:ext cx="676710" cy="651078"/>
-          </a:xfrm>
-          <a:prstGeom prst="rect">
-            <a:avLst/>
-          </a:prstGeom>
-        </p:spPr>
-      </p:pic>
-      <p:pic>
-        <p:nvPicPr>
           <p:cNvPr id="17" name="Picture 16"/>
           <p:cNvPicPr>
             <a:picLocks noChangeAspect="1"/>
@@ -8031,7 +7849,7 @@
           <p:nvPr/>
         </p:nvPicPr>
         <p:blipFill>
-          <a:blip r:embed="rId10">
+          <a:blip r:embed="rId8">
             <a:extLst>
               <a:ext uri="{28A0092B-C50C-407E-A947-70E740481C1C}">
                 <a14:useLocalDpi xmlns:a14="http://schemas.microsoft.com/office/drawing/2010/main" val="0"/>
@@ -8044,37 +7862,8 @@
         </p:blipFill>
         <p:spPr>
           <a:xfrm>
-            <a:off x="6259051" y="1874840"/>
+            <a:off x="6259051" y="2430011"/>
             <a:ext cx="3181080" cy="1590225"/>
-          </a:xfrm>
-          <a:prstGeom prst="rect">
-            <a:avLst/>
-          </a:prstGeom>
-        </p:spPr>
-      </p:pic>
-      <p:pic>
-        <p:nvPicPr>
-          <p:cNvPr id="14" name="Picture 13"/>
-          <p:cNvPicPr>
-            <a:picLocks noChangeAspect="1"/>
-          </p:cNvPicPr>
-          <p:nvPr/>
-        </p:nvPicPr>
-        <p:blipFill rotWithShape="1">
-          <a:blip r:embed="rId9">
-            <a:extLst>
-              <a:ext uri="{28A0092B-C50C-407E-A947-70E740481C1C}">
-                <a14:useLocalDpi xmlns:a14="http://schemas.microsoft.com/office/drawing/2010/main" val="0"/>
-              </a:ext>
-            </a:extLst>
-          </a:blip>
-          <a:srcRect l="23537" t="72369" r="65765"/>
-          <a:stretch/>
-        </p:blipFill>
-        <p:spPr>
-          <a:xfrm>
-            <a:off x="5758326" y="3718086"/>
-            <a:ext cx="680890" cy="734460"/>
           </a:xfrm>
           <a:prstGeom prst="rect">
             <a:avLst/>
@@ -8090,7 +7879,7 @@
           <p:nvPr/>
         </p:nvPicPr>
         <p:blipFill>
-          <a:blip r:embed="rId11">
+          <a:blip r:embed="rId9">
             <a:extLst>
               <a:ext uri="{28A0092B-C50C-407E-A947-70E740481C1C}">
                 <a14:useLocalDpi xmlns:a14="http://schemas.microsoft.com/office/drawing/2010/main" val="0"/>
@@ -8103,7 +7892,7 @@
         </p:blipFill>
         <p:spPr>
           <a:xfrm>
-            <a:off x="5341094" y="1942459"/>
+            <a:off x="5341094" y="2497630"/>
             <a:ext cx="1423312" cy="1544160"/>
           </a:xfrm>
           <a:prstGeom prst="rect">
@@ -8383,492 +8172,13 @@
       </p:grpSpPr>
       <p:sp>
         <p:nvSpPr>
-          <p:cNvPr id="215" name="Shape 215"/>
-          <p:cNvSpPr txBox="1">
-            <a:spLocks noGrp="1"/>
-          </p:cNvSpPr>
-          <p:nvPr>
-            <p:ph type="body" idx="1"/>
-          </p:nvPr>
-        </p:nvSpPr>
-        <p:spPr>
-          <a:xfrm>
-            <a:off x="288925" y="110531"/>
-            <a:ext cx="6875699" cy="576300"/>
-          </a:xfrm>
-          <a:prstGeom prst="rect">
-            <a:avLst/>
-          </a:prstGeom>
-          <a:noFill/>
-          <a:ln>
-            <a:noFill/>
-          </a:ln>
-        </p:spPr>
-        <p:txBody>
-          <a:bodyPr wrap="square" lIns="91425" tIns="45700" rIns="91425" bIns="45700" anchor="b" anchorCtr="0">
-            <a:noAutofit/>
-          </a:bodyPr>
-          <a:lstStyle/>
-          <a:p>
-            <a:pPr marL="0" marR="0" lvl="0" indent="0" algn="l" rtl="0">
-              <a:lnSpc>
-                <a:spcPct val="100000"/>
-              </a:lnSpc>
-              <a:spcBef>
-                <a:spcPts val="0"/>
-              </a:spcBef>
-              <a:spcAft>
-                <a:spcPts val="0"/>
-              </a:spcAft>
-              <a:buClr>
-                <a:schemeClr val="dk1"/>
-              </a:buClr>
-              <a:buSzPct val="25000"/>
-              <a:buFont typeface="Arial"/>
-              <a:buNone/>
-            </a:pPr>
-            <a:r>
-              <a:rPr lang="en-US" sz="2000" b="0" i="0" u="none" strike="noStrike" cap="none" dirty="0" smtClean="0">
-                <a:solidFill>
-                  <a:schemeClr val="dk1"/>
-                </a:solidFill>
-              </a:rPr>
-              <a:t>Future Plans</a:t>
-            </a:r>
-            <a:endParaRPr lang="en-US" sz="2000" b="0" i="0" u="none" strike="noStrike" cap="none" dirty="0">
-              <a:solidFill>
-                <a:schemeClr val="dk1"/>
-              </a:solidFill>
-            </a:endParaRPr>
-          </a:p>
-        </p:txBody>
-      </p:sp>
-      <p:sp>
-        <p:nvSpPr>
-          <p:cNvPr id="216" name="Shape 216"/>
-          <p:cNvSpPr/>
-          <p:nvPr/>
-        </p:nvSpPr>
-        <p:spPr>
-          <a:xfrm>
-            <a:off x="1435473" y="1102775"/>
-            <a:ext cx="3880805" cy="831000"/>
-          </a:xfrm>
-          <a:prstGeom prst="rect">
-            <a:avLst/>
-          </a:prstGeom>
-          <a:noFill/>
-          <a:ln>
-            <a:noFill/>
-          </a:ln>
-        </p:spPr>
-        <p:txBody>
-          <a:bodyPr wrap="square" lIns="91425" tIns="45700" rIns="91425" bIns="45700" anchor="t" anchorCtr="0">
-            <a:noAutofit/>
-          </a:bodyPr>
-          <a:lstStyle/>
-          <a:p>
-            <a:pPr marL="0" marR="0" lvl="0" indent="0" algn="l" rtl="0">
-              <a:lnSpc>
-                <a:spcPct val="100000"/>
-              </a:lnSpc>
-              <a:spcBef>
-                <a:spcPts val="0"/>
-              </a:spcBef>
-              <a:spcAft>
-                <a:spcPts val="0"/>
-              </a:spcAft>
-              <a:buClr>
-                <a:srgbClr val="073258"/>
-              </a:buClr>
-              <a:buSzPct val="25000"/>
-              <a:buFont typeface="Arial"/>
-              <a:buNone/>
-            </a:pPr>
-            <a:r>
-              <a:rPr lang="en-US" sz="2400" b="1" dirty="0" smtClean="0">
-                <a:solidFill>
-                  <a:srgbClr val="073258"/>
-                </a:solidFill>
-                <a:latin typeface="Lato"/>
-                <a:ea typeface="Lato"/>
-                <a:cs typeface="Lato"/>
-                <a:sym typeface="Lato"/>
-              </a:rPr>
-              <a:t>Personalized Accounts</a:t>
-            </a:r>
-            <a:r>
-              <a:rPr lang="en-US" sz="1200" b="1" i="0" u="none" strike="noStrike" cap="none" dirty="0">
-                <a:solidFill>
-                  <a:srgbClr val="073258"/>
-                </a:solidFill>
-                <a:latin typeface="Lato"/>
-                <a:ea typeface="Lato"/>
-                <a:cs typeface="Lato"/>
-                <a:sym typeface="Lato"/>
-              </a:rPr>
-              <a:t/>
-            </a:r>
-            <a:br>
-              <a:rPr lang="en-US" sz="1200" b="1" i="0" u="none" strike="noStrike" cap="none" dirty="0">
-                <a:solidFill>
-                  <a:srgbClr val="073258"/>
-                </a:solidFill>
-                <a:latin typeface="Lato"/>
-                <a:ea typeface="Lato"/>
-                <a:cs typeface="Lato"/>
-                <a:sym typeface="Lato"/>
-              </a:rPr>
-            </a:br>
-            <a:r>
-              <a:rPr lang="en-US" sz="1200" dirty="0" smtClean="0">
-                <a:solidFill>
-                  <a:srgbClr val="073258"/>
-                </a:solidFill>
-                <a:latin typeface="Lato"/>
-                <a:ea typeface="Lato"/>
-                <a:cs typeface="Lato"/>
-                <a:sym typeface="Lato"/>
-              </a:rPr>
-              <a:t>Personalization features, digital ticket tracking, individual accomplishment mapping</a:t>
-            </a:r>
-            <a:endParaRPr lang="en-US" sz="1200" dirty="0">
-              <a:solidFill>
-                <a:srgbClr val="073258"/>
-              </a:solidFill>
-              <a:latin typeface="Lato"/>
-              <a:ea typeface="Lato"/>
-              <a:cs typeface="Lato"/>
-              <a:sym typeface="Lato"/>
-            </a:endParaRPr>
-          </a:p>
-        </p:txBody>
-      </p:sp>
-      <p:sp>
-        <p:nvSpPr>
-          <p:cNvPr id="217" name="Shape 217"/>
-          <p:cNvSpPr/>
-          <p:nvPr/>
-        </p:nvSpPr>
-        <p:spPr>
-          <a:xfrm>
-            <a:off x="1435483" y="2349761"/>
-            <a:ext cx="3674834" cy="830996"/>
-          </a:xfrm>
-          <a:prstGeom prst="rect">
-            <a:avLst/>
-          </a:prstGeom>
-          <a:noFill/>
-          <a:ln>
-            <a:noFill/>
-          </a:ln>
-        </p:spPr>
-        <p:txBody>
-          <a:bodyPr wrap="square" lIns="91425" tIns="45700" rIns="91425" bIns="45700" anchor="t" anchorCtr="0">
-            <a:noAutofit/>
-          </a:bodyPr>
-          <a:lstStyle/>
-          <a:p>
-            <a:pPr marL="0" marR="0" lvl="0" indent="0" algn="l" rtl="0">
-              <a:lnSpc>
-                <a:spcPct val="100000"/>
-              </a:lnSpc>
-              <a:spcBef>
-                <a:spcPts val="0"/>
-              </a:spcBef>
-              <a:spcAft>
-                <a:spcPts val="0"/>
-              </a:spcAft>
-              <a:buClr>
-                <a:srgbClr val="073258"/>
-              </a:buClr>
-              <a:buSzPct val="25000"/>
-              <a:buFont typeface="Arial"/>
-              <a:buNone/>
-            </a:pPr>
-            <a:r>
-              <a:rPr lang="en-US" sz="2400" b="1" dirty="0" smtClean="0">
-                <a:solidFill>
-                  <a:srgbClr val="073258"/>
-                </a:solidFill>
-                <a:latin typeface="Lato"/>
-                <a:ea typeface="Lato"/>
-                <a:cs typeface="Lato"/>
-                <a:sym typeface="Lato"/>
-              </a:rPr>
-              <a:t>Algorithmic Text Analysis</a:t>
-            </a:r>
-            <a:r>
-              <a:rPr lang="en-US" sz="1200" b="1" i="0" u="none" strike="noStrike" cap="none" dirty="0">
-                <a:solidFill>
-                  <a:srgbClr val="073258"/>
-                </a:solidFill>
-                <a:latin typeface="Lato"/>
-                <a:ea typeface="Lato"/>
-                <a:cs typeface="Lato"/>
-                <a:sym typeface="Lato"/>
-              </a:rPr>
-              <a:t/>
-            </a:r>
-            <a:br>
-              <a:rPr lang="en-US" sz="1200" b="1" i="0" u="none" strike="noStrike" cap="none" dirty="0">
-                <a:solidFill>
-                  <a:srgbClr val="073258"/>
-                </a:solidFill>
-                <a:latin typeface="Lato"/>
-                <a:ea typeface="Lato"/>
-                <a:cs typeface="Lato"/>
-                <a:sym typeface="Lato"/>
-              </a:rPr>
-            </a:br>
-            <a:r>
-              <a:rPr lang="en-US" sz="1200" b="0" i="0" u="none" strike="noStrike" cap="none" dirty="0" smtClean="0">
-                <a:solidFill>
-                  <a:srgbClr val="073258"/>
-                </a:solidFill>
-                <a:latin typeface="Lato"/>
-                <a:ea typeface="Lato"/>
-                <a:cs typeface="Lato"/>
-                <a:sym typeface="Lato"/>
-              </a:rPr>
-              <a:t>Implement IBM Watson to quantify emotions in journal entries</a:t>
-            </a:r>
-            <a:endParaRPr lang="en-US" sz="1200" b="0" i="0" u="none" strike="noStrike" cap="none" dirty="0">
-              <a:solidFill>
-                <a:srgbClr val="073258"/>
-              </a:solidFill>
-              <a:latin typeface="Lato"/>
-              <a:ea typeface="Lato"/>
-              <a:cs typeface="Lato"/>
-              <a:sym typeface="Lato"/>
-            </a:endParaRPr>
-          </a:p>
-        </p:txBody>
-      </p:sp>
-      <p:sp>
-        <p:nvSpPr>
-          <p:cNvPr id="218" name="Shape 218"/>
-          <p:cNvSpPr/>
-          <p:nvPr/>
-        </p:nvSpPr>
-        <p:spPr>
-          <a:xfrm>
-            <a:off x="1435483" y="3497794"/>
-            <a:ext cx="3121276" cy="830996"/>
-          </a:xfrm>
-          <a:prstGeom prst="rect">
-            <a:avLst/>
-          </a:prstGeom>
-          <a:noFill/>
-          <a:ln>
-            <a:noFill/>
-          </a:ln>
-        </p:spPr>
-        <p:txBody>
-          <a:bodyPr wrap="square" lIns="91425" tIns="45700" rIns="91425" bIns="45700" anchor="t" anchorCtr="0">
-            <a:noAutofit/>
-          </a:bodyPr>
-          <a:lstStyle/>
-          <a:p>
-            <a:pPr marL="0" marR="0" lvl="0" indent="0" algn="l" rtl="0">
-              <a:lnSpc>
-                <a:spcPct val="100000"/>
-              </a:lnSpc>
-              <a:spcBef>
-                <a:spcPts val="0"/>
-              </a:spcBef>
-              <a:spcAft>
-                <a:spcPts val="0"/>
-              </a:spcAft>
-              <a:buClr>
-                <a:srgbClr val="073258"/>
-              </a:buClr>
-              <a:buSzPct val="25000"/>
-              <a:buFont typeface="Arial"/>
-              <a:buNone/>
-            </a:pPr>
-            <a:r>
-              <a:rPr lang="en-US" sz="2400" b="1" i="0" u="none" strike="noStrike" cap="none" dirty="0" smtClean="0">
-                <a:solidFill>
-                  <a:srgbClr val="073258"/>
-                </a:solidFill>
-                <a:latin typeface="Lato"/>
-                <a:ea typeface="Lato"/>
-                <a:cs typeface="Lato"/>
-                <a:sym typeface="Lato"/>
-              </a:rPr>
-              <a:t>Wellness Surveys</a:t>
-            </a:r>
-            <a:r>
-              <a:rPr lang="en-US" sz="1200" b="1" i="0" u="none" strike="noStrike" cap="none" dirty="0">
-                <a:solidFill>
-                  <a:srgbClr val="073258"/>
-                </a:solidFill>
-                <a:latin typeface="Lato"/>
-                <a:ea typeface="Lato"/>
-                <a:cs typeface="Lato"/>
-                <a:sym typeface="Lato"/>
-              </a:rPr>
-              <a:t/>
-            </a:r>
-            <a:br>
-              <a:rPr lang="en-US" sz="1200" b="1" i="0" u="none" strike="noStrike" cap="none" dirty="0">
-                <a:solidFill>
-                  <a:srgbClr val="073258"/>
-                </a:solidFill>
-                <a:latin typeface="Lato"/>
-                <a:ea typeface="Lato"/>
-                <a:cs typeface="Lato"/>
-                <a:sym typeface="Lato"/>
-              </a:rPr>
-            </a:br>
-            <a:r>
-              <a:rPr lang="en-US" sz="1200" b="0" i="0" u="none" strike="noStrike" cap="none" dirty="0" smtClean="0">
-                <a:solidFill>
-                  <a:srgbClr val="073258"/>
-                </a:solidFill>
-                <a:latin typeface="Lato"/>
-                <a:ea typeface="Lato"/>
-                <a:cs typeface="Lato"/>
-                <a:sym typeface="Lato"/>
-              </a:rPr>
-              <a:t>Consistent 3-question surveys to track student social &amp; emotional wellness</a:t>
-            </a:r>
-            <a:endParaRPr lang="en-US" sz="1200" b="0" i="0" u="none" strike="noStrike" cap="none" dirty="0">
-              <a:solidFill>
-                <a:srgbClr val="073258"/>
-              </a:solidFill>
-              <a:latin typeface="Lato"/>
-              <a:ea typeface="Lato"/>
-              <a:cs typeface="Lato"/>
-              <a:sym typeface="Lato"/>
-            </a:endParaRPr>
-          </a:p>
-        </p:txBody>
-      </p:sp>
-      <p:pic>
-        <p:nvPicPr>
-          <p:cNvPr id="220" name="Shape 220"/>
-          <p:cNvPicPr preferRelativeResize="0"/>
-          <p:nvPr/>
-        </p:nvPicPr>
-        <p:blipFill rotWithShape="1">
-          <a:blip r:embed="rId3">
-            <a:alphaModFix/>
-          </a:blip>
-          <a:srcRect/>
-          <a:stretch/>
-        </p:blipFill>
-        <p:spPr>
-          <a:xfrm>
-            <a:off x="504567" y="2371374"/>
-            <a:ext cx="831000" cy="831000"/>
-          </a:xfrm>
-          <a:prstGeom prst="rect">
-            <a:avLst/>
-          </a:prstGeom>
-          <a:noFill/>
-          <a:ln>
-            <a:noFill/>
-          </a:ln>
-        </p:spPr>
-      </p:pic>
-      <p:pic>
-        <p:nvPicPr>
-          <p:cNvPr id="228" name="Shape 228"/>
-          <p:cNvPicPr preferRelativeResize="0"/>
-          <p:nvPr/>
-        </p:nvPicPr>
-        <p:blipFill>
-          <a:blip r:embed="rId4">
-            <a:alphaModFix/>
-          </a:blip>
-          <a:stretch>
-            <a:fillRect/>
-          </a:stretch>
-        </p:blipFill>
-        <p:spPr>
-          <a:xfrm>
-            <a:off x="492700" y="1052099"/>
-            <a:ext cx="954000" cy="954000"/>
-          </a:xfrm>
-          <a:prstGeom prst="rect">
-            <a:avLst/>
-          </a:prstGeom>
-          <a:noFill/>
-          <a:ln>
-            <a:noFill/>
-          </a:ln>
-        </p:spPr>
-      </p:pic>
-      <p:pic>
-        <p:nvPicPr>
-          <p:cNvPr id="2" name="Picture 1"/>
-          <p:cNvPicPr>
-            <a:picLocks noChangeAspect="1"/>
-          </p:cNvPicPr>
-          <p:nvPr/>
-        </p:nvPicPr>
-        <p:blipFill rotWithShape="1">
-          <a:blip r:embed="rId5">
-            <a:extLst>
-              <a:ext uri="{28A0092B-C50C-407E-A947-70E740481C1C}">
-                <a14:useLocalDpi xmlns:a14="http://schemas.microsoft.com/office/drawing/2010/main" val="0"/>
-              </a:ext>
-            </a:extLst>
-          </a:blip>
-          <a:srcRect l="34973" t="66255" r="36414" b="5131"/>
-          <a:stretch/>
-        </p:blipFill>
-        <p:spPr>
-          <a:xfrm>
-            <a:off x="365318" y="972835"/>
-            <a:ext cx="1133740" cy="1133794"/>
-          </a:xfrm>
-          <a:prstGeom prst="rect">
-            <a:avLst/>
-          </a:prstGeom>
-        </p:spPr>
-      </p:pic>
-      <p:pic>
-        <p:nvPicPr>
-          <p:cNvPr id="4" name="Picture 3"/>
-          <p:cNvPicPr>
-            <a:picLocks noChangeAspect="1"/>
-          </p:cNvPicPr>
-          <p:nvPr/>
-        </p:nvPicPr>
-        <p:blipFill>
-          <a:blip r:embed="rId6">
-            <a:extLst>
-              <a:ext uri="{28A0092B-C50C-407E-A947-70E740481C1C}">
-                <a14:useLocalDpi xmlns:a14="http://schemas.microsoft.com/office/drawing/2010/main" val="0"/>
-              </a:ext>
-            </a:extLst>
-          </a:blip>
-          <a:stretch>
-            <a:fillRect/>
-          </a:stretch>
-        </p:blipFill>
-        <p:spPr>
-          <a:xfrm flipH="1">
-            <a:off x="530958" y="3502451"/>
-            <a:ext cx="861773" cy="861137"/>
-          </a:xfrm>
-          <a:prstGeom prst="rect">
-            <a:avLst/>
-          </a:prstGeom>
-        </p:spPr>
-      </p:pic>
-      <p:sp>
-        <p:nvSpPr>
           <p:cNvPr id="5" name="Rectangle 4"/>
           <p:cNvSpPr/>
           <p:nvPr/>
         </p:nvSpPr>
         <p:spPr>
           <a:xfrm>
-            <a:off x="6751674" y="14401"/>
+            <a:off x="6751674" y="3318"/>
             <a:ext cx="2392326" cy="2356973"/>
           </a:xfrm>
           <a:prstGeom prst="rect">
@@ -8906,6 +8216,413 @@
           </a:p>
         </p:txBody>
       </p:sp>
+      <p:sp>
+        <p:nvSpPr>
+          <p:cNvPr id="215" name="Shape 215"/>
+          <p:cNvSpPr txBox="1">
+            <a:spLocks noGrp="1"/>
+          </p:cNvSpPr>
+          <p:nvPr>
+            <p:ph type="body" idx="1"/>
+          </p:nvPr>
+        </p:nvSpPr>
+        <p:spPr>
+          <a:xfrm>
+            <a:off x="288925" y="110531"/>
+            <a:ext cx="6875699" cy="576300"/>
+          </a:xfrm>
+          <a:prstGeom prst="rect">
+            <a:avLst/>
+          </a:prstGeom>
+          <a:noFill/>
+          <a:ln>
+            <a:noFill/>
+          </a:ln>
+        </p:spPr>
+        <p:txBody>
+          <a:bodyPr wrap="square" lIns="91425" tIns="45700" rIns="91425" bIns="45700" anchor="b" anchorCtr="0">
+            <a:noAutofit/>
+          </a:bodyPr>
+          <a:lstStyle/>
+          <a:p>
+            <a:pPr marL="0" marR="0" lvl="0" indent="0" algn="l" rtl="0">
+              <a:lnSpc>
+                <a:spcPct val="100000"/>
+              </a:lnSpc>
+              <a:spcBef>
+                <a:spcPts val="0"/>
+              </a:spcBef>
+              <a:spcAft>
+                <a:spcPts val="0"/>
+              </a:spcAft>
+              <a:buClr>
+                <a:schemeClr val="dk1"/>
+              </a:buClr>
+              <a:buSzPct val="25000"/>
+              <a:buFont typeface="Arial"/>
+              <a:buNone/>
+            </a:pPr>
+            <a:r>
+              <a:rPr lang="en-US" sz="2000" b="0" i="0" u="none" strike="noStrike" cap="none" dirty="0" smtClean="0">
+                <a:solidFill>
+                  <a:schemeClr val="dk1"/>
+                </a:solidFill>
+              </a:rPr>
+              <a:t>Future Plans</a:t>
+            </a:r>
+            <a:endParaRPr lang="en-US" sz="2000" b="0" i="0" u="none" strike="noStrike" cap="none" dirty="0">
+              <a:solidFill>
+                <a:schemeClr val="dk1"/>
+              </a:solidFill>
+            </a:endParaRPr>
+          </a:p>
+        </p:txBody>
+      </p:sp>
+      <p:sp>
+        <p:nvSpPr>
+          <p:cNvPr id="216" name="Shape 216"/>
+          <p:cNvSpPr/>
+          <p:nvPr/>
+        </p:nvSpPr>
+        <p:spPr>
+          <a:xfrm>
+            <a:off x="1435473" y="1102775"/>
+            <a:ext cx="7708527" cy="831000"/>
+          </a:xfrm>
+          <a:prstGeom prst="rect">
+            <a:avLst/>
+          </a:prstGeom>
+          <a:noFill/>
+          <a:ln>
+            <a:noFill/>
+          </a:ln>
+        </p:spPr>
+        <p:txBody>
+          <a:bodyPr wrap="square" lIns="91425" tIns="45700" rIns="91425" bIns="45700" anchor="t" anchorCtr="0">
+            <a:noAutofit/>
+          </a:bodyPr>
+          <a:lstStyle/>
+          <a:p>
+            <a:pPr marL="0" marR="0" lvl="0" indent="0" algn="l" rtl="0">
+              <a:lnSpc>
+                <a:spcPct val="100000"/>
+              </a:lnSpc>
+              <a:spcBef>
+                <a:spcPts val="0"/>
+              </a:spcBef>
+              <a:spcAft>
+                <a:spcPts val="0"/>
+              </a:spcAft>
+              <a:buClr>
+                <a:srgbClr val="073258"/>
+              </a:buClr>
+              <a:buSzPct val="25000"/>
+              <a:buFont typeface="Arial"/>
+              <a:buNone/>
+            </a:pPr>
+            <a:r>
+              <a:rPr lang="en-US" sz="2400" b="1" dirty="0" smtClean="0">
+                <a:solidFill>
+                  <a:srgbClr val="073258"/>
+                </a:solidFill>
+                <a:latin typeface="Lato"/>
+                <a:ea typeface="Lato"/>
+                <a:cs typeface="Lato"/>
+                <a:sym typeface="Lato"/>
+              </a:rPr>
+              <a:t>Automatic Syncing of Databases</a:t>
+            </a:r>
+            <a:r>
+              <a:rPr lang="en-US" sz="1200" b="1" i="0" u="none" strike="noStrike" cap="none" dirty="0">
+                <a:solidFill>
+                  <a:srgbClr val="073258"/>
+                </a:solidFill>
+                <a:latin typeface="Lato"/>
+                <a:ea typeface="Lato"/>
+                <a:cs typeface="Lato"/>
+                <a:sym typeface="Lato"/>
+              </a:rPr>
+              <a:t/>
+            </a:r>
+            <a:br>
+              <a:rPr lang="en-US" sz="1200" b="1" i="0" u="none" strike="noStrike" cap="none" dirty="0">
+                <a:solidFill>
+                  <a:srgbClr val="073258"/>
+                </a:solidFill>
+                <a:latin typeface="Lato"/>
+                <a:ea typeface="Lato"/>
+                <a:cs typeface="Lato"/>
+                <a:sym typeface="Lato"/>
+              </a:rPr>
+            </a:br>
+            <a:r>
+              <a:rPr lang="en-US" sz="1200" dirty="0" smtClean="0">
+                <a:solidFill>
+                  <a:srgbClr val="073258"/>
+                </a:solidFill>
+                <a:latin typeface="Lato"/>
+                <a:ea typeface="Lato"/>
+                <a:cs typeface="Lato"/>
+                <a:sym typeface="Lato"/>
+              </a:rPr>
+              <a:t>Connect website database to existing excel tracker, allow inputs directly to Excel</a:t>
+            </a:r>
+            <a:endParaRPr lang="en-US" sz="1200" dirty="0">
+              <a:solidFill>
+                <a:srgbClr val="073258"/>
+              </a:solidFill>
+              <a:latin typeface="Lato"/>
+              <a:ea typeface="Lato"/>
+              <a:cs typeface="Lato"/>
+              <a:sym typeface="Lato"/>
+            </a:endParaRPr>
+          </a:p>
+        </p:txBody>
+      </p:sp>
+      <p:sp>
+        <p:nvSpPr>
+          <p:cNvPr id="217" name="Shape 217"/>
+          <p:cNvSpPr/>
+          <p:nvPr/>
+        </p:nvSpPr>
+        <p:spPr>
+          <a:xfrm>
+            <a:off x="1435482" y="2349761"/>
+            <a:ext cx="6630831" cy="830996"/>
+          </a:xfrm>
+          <a:prstGeom prst="rect">
+            <a:avLst/>
+          </a:prstGeom>
+          <a:noFill/>
+          <a:ln>
+            <a:noFill/>
+          </a:ln>
+        </p:spPr>
+        <p:txBody>
+          <a:bodyPr wrap="square" lIns="91425" tIns="45700" rIns="91425" bIns="45700" anchor="t" anchorCtr="0">
+            <a:noAutofit/>
+          </a:bodyPr>
+          <a:lstStyle/>
+          <a:p>
+            <a:pPr marL="0" marR="0" lvl="0" indent="0" algn="l" rtl="0">
+              <a:lnSpc>
+                <a:spcPct val="100000"/>
+              </a:lnSpc>
+              <a:spcBef>
+                <a:spcPts val="0"/>
+              </a:spcBef>
+              <a:spcAft>
+                <a:spcPts val="0"/>
+              </a:spcAft>
+              <a:buClr>
+                <a:srgbClr val="073258"/>
+              </a:buClr>
+              <a:buSzPct val="25000"/>
+              <a:buFont typeface="Arial"/>
+              <a:buNone/>
+            </a:pPr>
+            <a:r>
+              <a:rPr lang="en-US" sz="2400" b="1" dirty="0" smtClean="0">
+                <a:solidFill>
+                  <a:srgbClr val="073258"/>
+                </a:solidFill>
+                <a:latin typeface="Lato"/>
+                <a:ea typeface="Lato"/>
+                <a:cs typeface="Lato"/>
+                <a:sym typeface="Lato"/>
+              </a:rPr>
+              <a:t>Improve milestone markers</a:t>
+            </a:r>
+            <a:r>
+              <a:rPr lang="en-US" sz="1200" b="1" i="0" u="none" strike="noStrike" cap="none" dirty="0">
+                <a:solidFill>
+                  <a:srgbClr val="073258"/>
+                </a:solidFill>
+                <a:latin typeface="Lato"/>
+                <a:ea typeface="Lato"/>
+                <a:cs typeface="Lato"/>
+                <a:sym typeface="Lato"/>
+              </a:rPr>
+              <a:t/>
+            </a:r>
+            <a:br>
+              <a:rPr lang="en-US" sz="1200" b="1" i="0" u="none" strike="noStrike" cap="none" dirty="0">
+                <a:solidFill>
+                  <a:srgbClr val="073258"/>
+                </a:solidFill>
+                <a:latin typeface="Lato"/>
+                <a:ea typeface="Lato"/>
+                <a:cs typeface="Lato"/>
+                <a:sym typeface="Lato"/>
+              </a:rPr>
+            </a:br>
+            <a:r>
+              <a:rPr lang="en-US" sz="1200" b="0" i="0" u="none" strike="noStrike" cap="none" dirty="0" smtClean="0">
+                <a:solidFill>
+                  <a:srgbClr val="073258"/>
+                </a:solidFill>
+                <a:latin typeface="Lato"/>
+                <a:ea typeface="Lato"/>
+                <a:cs typeface="Lato"/>
+                <a:sym typeface="Lato"/>
+              </a:rPr>
+              <a:t>Added functionality with picture and video formats</a:t>
+            </a:r>
+            <a:endParaRPr lang="en-US" sz="1200" b="0" i="0" u="none" strike="noStrike" cap="none" dirty="0">
+              <a:solidFill>
+                <a:srgbClr val="073258"/>
+              </a:solidFill>
+              <a:latin typeface="Lato"/>
+              <a:ea typeface="Lato"/>
+              <a:cs typeface="Lato"/>
+              <a:sym typeface="Lato"/>
+            </a:endParaRPr>
+          </a:p>
+        </p:txBody>
+      </p:sp>
+      <p:sp>
+        <p:nvSpPr>
+          <p:cNvPr id="218" name="Shape 218"/>
+          <p:cNvSpPr/>
+          <p:nvPr/>
+        </p:nvSpPr>
+        <p:spPr>
+          <a:xfrm>
+            <a:off x="1435482" y="3497794"/>
+            <a:ext cx="3365117" cy="830996"/>
+          </a:xfrm>
+          <a:prstGeom prst="rect">
+            <a:avLst/>
+          </a:prstGeom>
+          <a:noFill/>
+          <a:ln>
+            <a:noFill/>
+          </a:ln>
+        </p:spPr>
+        <p:txBody>
+          <a:bodyPr wrap="square" lIns="91425" tIns="45700" rIns="91425" bIns="45700" anchor="t" anchorCtr="0">
+            <a:noAutofit/>
+          </a:bodyPr>
+          <a:lstStyle/>
+          <a:p>
+            <a:pPr marL="0" marR="0" lvl="0" indent="0" algn="l" rtl="0">
+              <a:lnSpc>
+                <a:spcPct val="100000"/>
+              </a:lnSpc>
+              <a:spcBef>
+                <a:spcPts val="0"/>
+              </a:spcBef>
+              <a:spcAft>
+                <a:spcPts val="0"/>
+              </a:spcAft>
+              <a:buClr>
+                <a:srgbClr val="073258"/>
+              </a:buClr>
+              <a:buSzPct val="25000"/>
+              <a:buFont typeface="Arial"/>
+              <a:buNone/>
+            </a:pPr>
+            <a:r>
+              <a:rPr lang="en-US" sz="2400" b="1" i="0" u="none" strike="noStrike" cap="none" dirty="0" smtClean="0">
+                <a:solidFill>
+                  <a:srgbClr val="073258"/>
+                </a:solidFill>
+                <a:latin typeface="Lato"/>
+                <a:ea typeface="Lato"/>
+                <a:cs typeface="Lato"/>
+                <a:sym typeface="Lato"/>
+              </a:rPr>
+              <a:t>Wellness Surveys</a:t>
+            </a:r>
+            <a:r>
+              <a:rPr lang="en-US" sz="1200" b="1" i="0" u="none" strike="noStrike" cap="none" dirty="0">
+                <a:solidFill>
+                  <a:srgbClr val="073258"/>
+                </a:solidFill>
+                <a:latin typeface="Lato"/>
+                <a:ea typeface="Lato"/>
+                <a:cs typeface="Lato"/>
+                <a:sym typeface="Lato"/>
+              </a:rPr>
+              <a:t/>
+            </a:r>
+            <a:br>
+              <a:rPr lang="en-US" sz="1200" b="1" i="0" u="none" strike="noStrike" cap="none" dirty="0">
+                <a:solidFill>
+                  <a:srgbClr val="073258"/>
+                </a:solidFill>
+                <a:latin typeface="Lato"/>
+                <a:ea typeface="Lato"/>
+                <a:cs typeface="Lato"/>
+                <a:sym typeface="Lato"/>
+              </a:rPr>
+            </a:br>
+            <a:r>
+              <a:rPr lang="en-US" sz="1200" b="0" i="0" u="none" strike="noStrike" cap="none" dirty="0" smtClean="0">
+                <a:solidFill>
+                  <a:srgbClr val="073258"/>
+                </a:solidFill>
+                <a:latin typeface="Lato"/>
+                <a:ea typeface="Lato"/>
+                <a:cs typeface="Lato"/>
+                <a:sym typeface="Lato"/>
+              </a:rPr>
+              <a:t>Consistent 3-question surveys to track student social &amp; emotional </a:t>
+            </a:r>
+            <a:r>
+              <a:rPr lang="en-US" sz="1200" b="0" i="0" u="none" strike="noStrike" cap="none" dirty="0" smtClean="0">
+                <a:solidFill>
+                  <a:srgbClr val="073258"/>
+                </a:solidFill>
+                <a:latin typeface="Lato"/>
+                <a:ea typeface="Lato"/>
+                <a:cs typeface="Lato"/>
+                <a:sym typeface="Lato"/>
+              </a:rPr>
+              <a:t>well-being</a:t>
+            </a:r>
+            <a:endParaRPr lang="en-US" sz="1200" b="0" i="0" u="none" strike="noStrike" cap="none" dirty="0">
+              <a:solidFill>
+                <a:srgbClr val="073258"/>
+              </a:solidFill>
+              <a:latin typeface="Lato"/>
+              <a:ea typeface="Lato"/>
+              <a:cs typeface="Lato"/>
+              <a:sym typeface="Lato"/>
+            </a:endParaRPr>
+          </a:p>
+        </p:txBody>
+      </p:sp>
+      <p:pic>
+        <p:nvPicPr>
+          <p:cNvPr id="4" name="Picture 3"/>
+          <p:cNvPicPr>
+            <a:picLocks noChangeAspect="1"/>
+          </p:cNvPicPr>
+          <p:nvPr/>
+        </p:nvPicPr>
+        <p:blipFill>
+          <a:blip r:embed="rId3">
+            <a:extLst>
+              <a:ext uri="{28A0092B-C50C-407E-A947-70E740481C1C}">
+                <a14:useLocalDpi xmlns:a14="http://schemas.microsoft.com/office/drawing/2010/main" val="0"/>
+              </a:ext>
+            </a:extLst>
+          </a:blip>
+          <a:stretch>
+            <a:fillRect/>
+          </a:stretch>
+        </p:blipFill>
+        <p:spPr>
+          <a:xfrm flipH="1">
+            <a:off x="520072" y="3502451"/>
+            <a:ext cx="861773" cy="861137"/>
+          </a:xfrm>
+          <a:prstGeom prst="rect">
+            <a:avLst/>
+          </a:prstGeom>
+        </p:spPr>
+      </p:pic>
       <p:sp>
         <p:nvSpPr>
           <p:cNvPr id="20" name="Rectangle 19"/>
@@ -8952,6 +8669,287 @@
           </a:p>
         </p:txBody>
       </p:sp>
+      <p:pic>
+        <p:nvPicPr>
+          <p:cNvPr id="14" name="Picture 13"/>
+          <p:cNvPicPr>
+            <a:picLocks noChangeAspect="1"/>
+          </p:cNvPicPr>
+          <p:nvPr/>
+        </p:nvPicPr>
+        <p:blipFill rotWithShape="1">
+          <a:blip r:embed="rId4">
+            <a:extLst>
+              <a:ext uri="{28A0092B-C50C-407E-A947-70E740481C1C}">
+                <a14:useLocalDpi xmlns:a14="http://schemas.microsoft.com/office/drawing/2010/main" val="0"/>
+              </a:ext>
+            </a:extLst>
+          </a:blip>
+          <a:srcRect l="2193" t="795" r="87806" b="75249"/>
+          <a:stretch/>
+        </p:blipFill>
+        <p:spPr>
+          <a:xfrm>
+            <a:off x="4800599" y="3557534"/>
+            <a:ext cx="636496" cy="636776"/>
+          </a:xfrm>
+          <a:prstGeom prst="rect">
+            <a:avLst/>
+          </a:prstGeom>
+        </p:spPr>
+      </p:pic>
+      <p:pic>
+        <p:nvPicPr>
+          <p:cNvPr id="15" name="Picture 14"/>
+          <p:cNvPicPr>
+            <a:picLocks noChangeAspect="1"/>
+          </p:cNvPicPr>
+          <p:nvPr/>
+        </p:nvPicPr>
+        <p:blipFill rotWithShape="1">
+          <a:blip r:embed="rId4">
+            <a:extLst>
+              <a:ext uri="{28A0092B-C50C-407E-A947-70E740481C1C}">
+                <a14:useLocalDpi xmlns:a14="http://schemas.microsoft.com/office/drawing/2010/main" val="0"/>
+              </a:ext>
+            </a:extLst>
+          </a:blip>
+          <a:srcRect l="87791" t="74052" r="871" b="252"/>
+          <a:stretch/>
+        </p:blipFill>
+        <p:spPr>
+          <a:xfrm>
+            <a:off x="7375757" y="3506265"/>
+            <a:ext cx="721660" cy="683017"/>
+          </a:xfrm>
+          <a:prstGeom prst="rect">
+            <a:avLst/>
+          </a:prstGeom>
+        </p:spPr>
+      </p:pic>
+      <p:pic>
+        <p:nvPicPr>
+          <p:cNvPr id="16" name="Picture 15"/>
+          <p:cNvPicPr>
+            <a:picLocks noChangeAspect="1"/>
+          </p:cNvPicPr>
+          <p:nvPr/>
+        </p:nvPicPr>
+        <p:blipFill rotWithShape="1">
+          <a:blip r:embed="rId4">
+            <a:extLst>
+              <a:ext uri="{28A0092B-C50C-407E-A947-70E740481C1C}">
+                <a14:useLocalDpi xmlns:a14="http://schemas.microsoft.com/office/drawing/2010/main" val="0"/>
+              </a:ext>
+            </a:extLst>
+          </a:blip>
+          <a:srcRect l="2325" t="49728" r="87674" b="25722"/>
+          <a:stretch/>
+        </p:blipFill>
+        <p:spPr>
+          <a:xfrm>
+            <a:off x="6127166" y="3538204"/>
+            <a:ext cx="636496" cy="652562"/>
+          </a:xfrm>
+          <a:prstGeom prst="rect">
+            <a:avLst/>
+          </a:prstGeom>
+        </p:spPr>
+      </p:pic>
+      <p:pic>
+        <p:nvPicPr>
+          <p:cNvPr id="17" name="Picture 16"/>
+          <p:cNvPicPr>
+            <a:picLocks noChangeAspect="1"/>
+          </p:cNvPicPr>
+          <p:nvPr/>
+        </p:nvPicPr>
+        <p:blipFill rotWithShape="1">
+          <a:blip r:embed="rId4">
+            <a:extLst>
+              <a:ext uri="{28A0092B-C50C-407E-A947-70E740481C1C}">
+                <a14:useLocalDpi xmlns:a14="http://schemas.microsoft.com/office/drawing/2010/main" val="0"/>
+              </a:ext>
+            </a:extLst>
+          </a:blip>
+          <a:srcRect l="55887" t="49810" r="33481" b="25696"/>
+          <a:stretch/>
+        </p:blipFill>
+        <p:spPr>
+          <a:xfrm>
+            <a:off x="6774048" y="3538204"/>
+            <a:ext cx="676710" cy="651078"/>
+          </a:xfrm>
+          <a:prstGeom prst="rect">
+            <a:avLst/>
+          </a:prstGeom>
+        </p:spPr>
+      </p:pic>
+      <p:pic>
+        <p:nvPicPr>
+          <p:cNvPr id="18" name="Picture 17"/>
+          <p:cNvPicPr>
+            <a:picLocks noChangeAspect="1"/>
+          </p:cNvPicPr>
+          <p:nvPr/>
+        </p:nvPicPr>
+        <p:blipFill rotWithShape="1">
+          <a:blip r:embed="rId4">
+            <a:extLst>
+              <a:ext uri="{28A0092B-C50C-407E-A947-70E740481C1C}">
+                <a14:useLocalDpi xmlns:a14="http://schemas.microsoft.com/office/drawing/2010/main" val="0"/>
+              </a:ext>
+            </a:extLst>
+          </a:blip>
+          <a:srcRect l="23537" t="72369" r="65765"/>
+          <a:stretch/>
+        </p:blipFill>
+        <p:spPr>
+          <a:xfrm>
+            <a:off x="5448608" y="3480543"/>
+            <a:ext cx="680890" cy="734460"/>
+          </a:xfrm>
+          <a:prstGeom prst="rect">
+            <a:avLst/>
+          </a:prstGeom>
+        </p:spPr>
+      </p:pic>
+      <p:pic>
+        <p:nvPicPr>
+          <p:cNvPr id="6" name="Picture 5"/>
+          <p:cNvPicPr>
+            <a:picLocks noChangeAspect="1"/>
+          </p:cNvPicPr>
+          <p:nvPr/>
+        </p:nvPicPr>
+        <p:blipFill>
+          <a:blip r:embed="rId5">
+            <a:extLst>
+              <a:ext uri="{28A0092B-C50C-407E-A947-70E740481C1C}">
+                <a14:useLocalDpi xmlns:a14="http://schemas.microsoft.com/office/drawing/2010/main" val="0"/>
+              </a:ext>
+            </a:extLst>
+          </a:blip>
+          <a:stretch>
+            <a:fillRect/>
+          </a:stretch>
+        </p:blipFill>
+        <p:spPr>
+          <a:xfrm>
+            <a:off x="454756" y="1040234"/>
+            <a:ext cx="907966" cy="907966"/>
+          </a:xfrm>
+          <a:prstGeom prst="rect">
+            <a:avLst/>
+          </a:prstGeom>
+        </p:spPr>
+      </p:pic>
+      <p:pic>
+        <p:nvPicPr>
+          <p:cNvPr id="8" name="Picture 7"/>
+          <p:cNvPicPr>
+            <a:picLocks noChangeAspect="1"/>
+          </p:cNvPicPr>
+          <p:nvPr/>
+        </p:nvPicPr>
+        <p:blipFill rotWithShape="1">
+          <a:blip r:embed="rId6">
+            <a:extLst>
+              <a:ext uri="{28A0092B-C50C-407E-A947-70E740481C1C}">
+                <a14:useLocalDpi xmlns:a14="http://schemas.microsoft.com/office/drawing/2010/main" val="0"/>
+              </a:ext>
+            </a:extLst>
+          </a:blip>
+          <a:srcRect t="10426" r="7392" b="18720"/>
+          <a:stretch/>
+        </p:blipFill>
+        <p:spPr>
+          <a:xfrm>
+            <a:off x="357795" y="2291792"/>
+            <a:ext cx="1116898" cy="854515"/>
+          </a:xfrm>
+          <a:prstGeom prst="rect">
+            <a:avLst/>
+          </a:prstGeom>
+        </p:spPr>
+      </p:pic>
+      <p:pic>
+        <p:nvPicPr>
+          <p:cNvPr id="9" name="Picture 8"/>
+          <p:cNvPicPr>
+            <a:picLocks noChangeAspect="1"/>
+          </p:cNvPicPr>
+          <p:nvPr/>
+        </p:nvPicPr>
+        <p:blipFill>
+          <a:blip r:embed="rId7">
+            <a:extLst>
+              <a:ext uri="{28A0092B-C50C-407E-A947-70E740481C1C}">
+                <a14:useLocalDpi xmlns:a14="http://schemas.microsoft.com/office/drawing/2010/main" val="0"/>
+              </a:ext>
+            </a:extLst>
+          </a:blip>
+          <a:stretch>
+            <a:fillRect/>
+          </a:stretch>
+        </p:blipFill>
+        <p:spPr>
+          <a:xfrm>
+            <a:off x="5444757" y="223075"/>
+            <a:ext cx="3309256" cy="1562704"/>
+          </a:xfrm>
+          <a:prstGeom prst="rect">
+            <a:avLst/>
+          </a:prstGeom>
+        </p:spPr>
+      </p:pic>
+      <p:pic>
+        <p:nvPicPr>
+          <p:cNvPr id="10" name="Picture 9"/>
+          <p:cNvPicPr>
+            <a:picLocks noChangeAspect="1"/>
+          </p:cNvPicPr>
+          <p:nvPr/>
+        </p:nvPicPr>
+        <p:blipFill>
+          <a:blip r:embed="rId8"/>
+          <a:stretch>
+            <a:fillRect/>
+          </a:stretch>
+        </p:blipFill>
+        <p:spPr>
+          <a:xfrm>
+            <a:off x="5289736" y="1817718"/>
+            <a:ext cx="2019825" cy="1199271"/>
+          </a:xfrm>
+          <a:prstGeom prst="rect">
+            <a:avLst/>
+          </a:prstGeom>
+        </p:spPr>
+      </p:pic>
+      <p:pic>
+        <p:nvPicPr>
+          <p:cNvPr id="11" name="Picture 10"/>
+          <p:cNvPicPr>
+            <a:picLocks noChangeAspect="1"/>
+          </p:cNvPicPr>
+          <p:nvPr/>
+        </p:nvPicPr>
+        <p:blipFill rotWithShape="1">
+          <a:blip r:embed="rId9"/>
+          <a:srcRect t="4106" b="3469"/>
+          <a:stretch/>
+        </p:blipFill>
+        <p:spPr>
+          <a:xfrm>
+            <a:off x="7450758" y="2002178"/>
+            <a:ext cx="1599156" cy="1478023"/>
+          </a:xfrm>
+          <a:prstGeom prst="rect">
+            <a:avLst/>
+          </a:prstGeom>
+        </p:spPr>
+      </p:pic>
     </p:spTree>
     <p:extLst>
       <p:ext uri="{BB962C8B-B14F-4D97-AF65-F5344CB8AC3E}">
